--- a/Matter/Assets/Template/Tmp.pptx
+++ b/Matter/Assets/Template/Tmp.pptx
@@ -6,6 +6,7 @@
   </p:sldMasterIdLst>
   <p:sldIdLst>
     <p:sldId id="257" r:id="rId2"/>
+    <p:sldId id="258" r:id="rId3"/>
   </p:sldIdLst>
   <p:sldSz cx="12192000" cy="6858000"/>
   <p:notesSz cx="6858000" cy="9144000"/>
@@ -104,6 +105,11 @@
       </a:defRPr>
     </a:lvl9pPr>
   </p:defaultTextStyle>
+  <p:extLst>
+    <p:ext uri="{EFAFB233-063F-42B5-8137-9DF3F51BA10A}">
+      <p15:sldGuideLst xmlns:p15="http://schemas.microsoft.com/office/powerpoint/2012/main"/>
+    </p:ext>
+  </p:extLst>
 </p:presentation>
 </file>
 
@@ -254,7 +260,7 @@
           <a:p>
             <a:fld id="{9A078F49-712F-43B7-807B-6D37154AD4A8}" type="datetimeFigureOut">
               <a:rPr lang="en-US" smtClean="0"/>
-              <a:t>12/5/2019</a:t>
+              <a:t>1/27/2020</a:t>
             </a:fld>
             <a:endParaRPr lang="en-US"/>
           </a:p>
@@ -452,7 +458,7 @@
           <a:p>
             <a:fld id="{9A078F49-712F-43B7-807B-6D37154AD4A8}" type="datetimeFigureOut">
               <a:rPr lang="en-US" smtClean="0"/>
-              <a:t>12/5/2019</a:t>
+              <a:t>1/27/2020</a:t>
             </a:fld>
             <a:endParaRPr lang="en-US"/>
           </a:p>
@@ -660,7 +666,7 @@
           <a:p>
             <a:fld id="{9A078F49-712F-43B7-807B-6D37154AD4A8}" type="datetimeFigureOut">
               <a:rPr lang="en-US" smtClean="0"/>
-              <a:t>12/5/2019</a:t>
+              <a:t>1/27/2020</a:t>
             </a:fld>
             <a:endParaRPr lang="en-US"/>
           </a:p>
@@ -858,7 +864,7 @@
           <a:p>
             <a:fld id="{9A078F49-712F-43B7-807B-6D37154AD4A8}" type="datetimeFigureOut">
               <a:rPr lang="en-US" smtClean="0"/>
-              <a:t>12/5/2019</a:t>
+              <a:t>1/27/2020</a:t>
             </a:fld>
             <a:endParaRPr lang="en-US"/>
           </a:p>
@@ -1133,7 +1139,7 @@
           <a:p>
             <a:fld id="{9A078F49-712F-43B7-807B-6D37154AD4A8}" type="datetimeFigureOut">
               <a:rPr lang="en-US" smtClean="0"/>
-              <a:t>12/5/2019</a:t>
+              <a:t>1/27/2020</a:t>
             </a:fld>
             <a:endParaRPr lang="en-US"/>
           </a:p>
@@ -1398,7 +1404,7 @@
           <a:p>
             <a:fld id="{9A078F49-712F-43B7-807B-6D37154AD4A8}" type="datetimeFigureOut">
               <a:rPr lang="en-US" smtClean="0"/>
-              <a:t>12/5/2019</a:t>
+              <a:t>1/27/2020</a:t>
             </a:fld>
             <a:endParaRPr lang="en-US"/>
           </a:p>
@@ -1810,7 +1816,7 @@
           <a:p>
             <a:fld id="{9A078F49-712F-43B7-807B-6D37154AD4A8}" type="datetimeFigureOut">
               <a:rPr lang="en-US" smtClean="0"/>
-              <a:t>12/5/2019</a:t>
+              <a:t>1/27/2020</a:t>
             </a:fld>
             <a:endParaRPr lang="en-US"/>
           </a:p>
@@ -1951,7 +1957,7 @@
           <a:p>
             <a:fld id="{9A078F49-712F-43B7-807B-6D37154AD4A8}" type="datetimeFigureOut">
               <a:rPr lang="en-US" smtClean="0"/>
-              <a:t>12/5/2019</a:t>
+              <a:t>1/27/2020</a:t>
             </a:fld>
             <a:endParaRPr lang="en-US"/>
           </a:p>
@@ -2064,7 +2070,7 @@
           <a:p>
             <a:fld id="{9A078F49-712F-43B7-807B-6D37154AD4A8}" type="datetimeFigureOut">
               <a:rPr lang="en-US" smtClean="0"/>
-              <a:t>12/5/2019</a:t>
+              <a:t>1/27/2020</a:t>
             </a:fld>
             <a:endParaRPr lang="en-US"/>
           </a:p>
@@ -2375,7 +2381,7 @@
           <a:p>
             <a:fld id="{9A078F49-712F-43B7-807B-6D37154AD4A8}" type="datetimeFigureOut">
               <a:rPr lang="en-US" smtClean="0"/>
-              <a:t>12/5/2019</a:t>
+              <a:t>1/27/2020</a:t>
             </a:fld>
             <a:endParaRPr lang="en-US"/>
           </a:p>
@@ -2663,7 +2669,7 @@
           <a:p>
             <a:fld id="{9A078F49-712F-43B7-807B-6D37154AD4A8}" type="datetimeFigureOut">
               <a:rPr lang="en-US" smtClean="0"/>
-              <a:t>12/5/2019</a:t>
+              <a:t>1/27/2020</a:t>
             </a:fld>
             <a:endParaRPr lang="en-US"/>
           </a:p>
@@ -2904,7 +2910,7 @@
           <a:p>
             <a:fld id="{9A078F49-712F-43B7-807B-6D37154AD4A8}" type="datetimeFigureOut">
               <a:rPr lang="en-US" smtClean="0"/>
-              <a:t>12/5/2019</a:t>
+              <a:t>1/27/2020</a:t>
             </a:fld>
             <a:endParaRPr lang="en-US"/>
           </a:p>
@@ -3391,6 +3397,156 @@
 </p:sld>
 </file>
 
+<file path=ppt/slides/slide2.xml><?xml version="1.0" encoding="utf-8"?>
+<p:sld xmlns:a="http://schemas.openxmlformats.org/drawingml/2006/main" xmlns:r="http://schemas.openxmlformats.org/officeDocument/2006/relationships" xmlns:p="http://schemas.openxmlformats.org/presentationml/2006/main">
+  <p:cSld>
+    <p:spTree>
+      <p:nvGrpSpPr>
+        <p:cNvPr id="1" name=""/>
+        <p:cNvGrpSpPr/>
+        <p:nvPr/>
+      </p:nvGrpSpPr>
+      <p:grpSpPr>
+        <a:xfrm>
+          <a:off x="0" y="0"/>
+          <a:ext cx="0" cy="0"/>
+          <a:chOff x="0" y="0"/>
+          <a:chExt cx="0" cy="0"/>
+        </a:xfrm>
+      </p:grpSpPr>
+      <p:pic>
+        <p:nvPicPr>
+          <p:cNvPr id="3" name="Picture 2">
+            <a:extLst>
+              <a:ext uri="{FF2B5EF4-FFF2-40B4-BE49-F238E27FC236}">
+                <a16:creationId xmlns:a16="http://schemas.microsoft.com/office/drawing/2014/main" id="{D9873CA4-C8E6-446A-9617-864018AA1450}"/>
+              </a:ext>
+            </a:extLst>
+          </p:cNvPr>
+          <p:cNvPicPr>
+            <a:picLocks noChangeAspect="1"/>
+          </p:cNvPicPr>
+          <p:nvPr/>
+        </p:nvPicPr>
+        <p:blipFill>
+          <a:blip r:embed="rId2">
+            <a:extLst>
+              <a:ext uri="{28A0092B-C50C-407E-A947-70E740481C1C}">
+                <a14:useLocalDpi xmlns:a14="http://schemas.microsoft.com/office/drawing/2010/main" val="0"/>
+              </a:ext>
+            </a:extLst>
+          </a:blip>
+          <a:stretch>
+            <a:fillRect/>
+          </a:stretch>
+        </p:blipFill>
+        <p:spPr>
+          <a:xfrm>
+            <a:off x="0" y="0"/>
+            <a:ext cx="12192000" cy="6858000"/>
+          </a:xfrm>
+          <a:prstGeom prst="rect">
+            <a:avLst/>
+          </a:prstGeom>
+        </p:spPr>
+      </p:pic>
+      <p:pic>
+        <p:nvPicPr>
+          <p:cNvPr id="5" name="Picture 4">
+            <a:extLst>
+              <a:ext uri="{FF2B5EF4-FFF2-40B4-BE49-F238E27FC236}">
+                <a16:creationId xmlns:a16="http://schemas.microsoft.com/office/drawing/2014/main" id="{F306FF06-118D-42D0-94EB-43B268D852AB}"/>
+              </a:ext>
+            </a:extLst>
+          </p:cNvPr>
+          <p:cNvPicPr>
+            <a:picLocks noChangeAspect="1"/>
+          </p:cNvPicPr>
+          <p:nvPr/>
+        </p:nvPicPr>
+        <p:blipFill>
+          <a:blip r:embed="rId3">
+            <a:extLst>
+              <a:ext uri="{28A0092B-C50C-407E-A947-70E740481C1C}">
+                <a14:useLocalDpi xmlns:a14="http://schemas.microsoft.com/office/drawing/2010/main" val="0"/>
+              </a:ext>
+            </a:extLst>
+          </a:blip>
+          <a:stretch>
+            <a:fillRect/>
+          </a:stretch>
+        </p:blipFill>
+        <p:spPr>
+          <a:xfrm>
+            <a:off x="3248273" y="677508"/>
+            <a:ext cx="5207019" cy="2628399"/>
+          </a:xfrm>
+          <a:prstGeom prst="rect">
+            <a:avLst/>
+          </a:prstGeom>
+        </p:spPr>
+      </p:pic>
+      <p:sp>
+        <p:nvSpPr>
+          <p:cNvPr id="6" name="Rectangle: Rounded Corners 5">
+            <a:extLst>
+              <a:ext uri="{FF2B5EF4-FFF2-40B4-BE49-F238E27FC236}">
+                <a16:creationId xmlns:a16="http://schemas.microsoft.com/office/drawing/2014/main" id="{420AA910-C19A-4946-A79E-FC0B58FB2D4C}"/>
+              </a:ext>
+            </a:extLst>
+          </p:cNvPr>
+          <p:cNvSpPr/>
+          <p:nvPr/>
+        </p:nvSpPr>
+        <p:spPr>
+          <a:xfrm>
+            <a:off x="4870938" y="3033346"/>
+            <a:ext cx="2074985" cy="1002323"/>
+          </a:xfrm>
+          <a:prstGeom prst="roundRect">
+            <a:avLst>
+              <a:gd name="adj" fmla="val 22807"/>
+            </a:avLst>
+          </a:prstGeom>
+        </p:spPr>
+        <p:style>
+          <a:lnRef idx="2">
+            <a:schemeClr val="dk1">
+              <a:shade val="50000"/>
+            </a:schemeClr>
+          </a:lnRef>
+          <a:fillRef idx="1">
+            <a:schemeClr val="dk1"/>
+          </a:fillRef>
+          <a:effectRef idx="0">
+            <a:schemeClr val="dk1"/>
+          </a:effectRef>
+          <a:fontRef idx="minor">
+            <a:schemeClr val="lt1"/>
+          </a:fontRef>
+        </p:style>
+        <p:txBody>
+          <a:bodyPr rtlCol="0" anchor="ctr"/>
+          <a:lstStyle/>
+          <a:p>
+            <a:pPr algn="ctr"/>
+            <a:endParaRPr lang="en-US"/>
+          </a:p>
+        </p:txBody>
+      </p:sp>
+    </p:spTree>
+    <p:extLst>
+      <p:ext uri="{BB962C8B-B14F-4D97-AF65-F5344CB8AC3E}">
+        <p14:creationId xmlns:p14="http://schemas.microsoft.com/office/powerpoint/2010/main" val="4267528215"/>
+      </p:ext>
+    </p:extLst>
+  </p:cSld>
+  <p:clrMapOvr>
+    <a:masterClrMapping/>
+  </p:clrMapOvr>
+</p:sld>
+</file>
+
 <file path=ppt/theme/theme1.xml><?xml version="1.0" encoding="utf-8"?>
 <a:theme xmlns:a="http://schemas.openxmlformats.org/drawingml/2006/main" name="Office Theme">
   <a:themeElements>

--- a/Matter/Assets/Template/Tmp.pptx
+++ b/Matter/Assets/Template/Tmp.pptx
@@ -260,7 +260,7 @@
           <a:p>
             <a:fld id="{9A078F49-712F-43B7-807B-6D37154AD4A8}" type="datetimeFigureOut">
               <a:rPr lang="en-US" smtClean="0"/>
-              <a:t>1/27/2020</a:t>
+              <a:t>2/15/2020</a:t>
             </a:fld>
             <a:endParaRPr lang="en-US"/>
           </a:p>
@@ -458,7 +458,7 @@
           <a:p>
             <a:fld id="{9A078F49-712F-43B7-807B-6D37154AD4A8}" type="datetimeFigureOut">
               <a:rPr lang="en-US" smtClean="0"/>
-              <a:t>1/27/2020</a:t>
+              <a:t>2/15/2020</a:t>
             </a:fld>
             <a:endParaRPr lang="en-US"/>
           </a:p>
@@ -666,7 +666,7 @@
           <a:p>
             <a:fld id="{9A078F49-712F-43B7-807B-6D37154AD4A8}" type="datetimeFigureOut">
               <a:rPr lang="en-US" smtClean="0"/>
-              <a:t>1/27/2020</a:t>
+              <a:t>2/15/2020</a:t>
             </a:fld>
             <a:endParaRPr lang="en-US"/>
           </a:p>
@@ -864,7 +864,7 @@
           <a:p>
             <a:fld id="{9A078F49-712F-43B7-807B-6D37154AD4A8}" type="datetimeFigureOut">
               <a:rPr lang="en-US" smtClean="0"/>
-              <a:t>1/27/2020</a:t>
+              <a:t>2/15/2020</a:t>
             </a:fld>
             <a:endParaRPr lang="en-US"/>
           </a:p>
@@ -1139,7 +1139,7 @@
           <a:p>
             <a:fld id="{9A078F49-712F-43B7-807B-6D37154AD4A8}" type="datetimeFigureOut">
               <a:rPr lang="en-US" smtClean="0"/>
-              <a:t>1/27/2020</a:t>
+              <a:t>2/15/2020</a:t>
             </a:fld>
             <a:endParaRPr lang="en-US"/>
           </a:p>
@@ -1404,7 +1404,7 @@
           <a:p>
             <a:fld id="{9A078F49-712F-43B7-807B-6D37154AD4A8}" type="datetimeFigureOut">
               <a:rPr lang="en-US" smtClean="0"/>
-              <a:t>1/27/2020</a:t>
+              <a:t>2/15/2020</a:t>
             </a:fld>
             <a:endParaRPr lang="en-US"/>
           </a:p>
@@ -1816,7 +1816,7 @@
           <a:p>
             <a:fld id="{9A078F49-712F-43B7-807B-6D37154AD4A8}" type="datetimeFigureOut">
               <a:rPr lang="en-US" smtClean="0"/>
-              <a:t>1/27/2020</a:t>
+              <a:t>2/15/2020</a:t>
             </a:fld>
             <a:endParaRPr lang="en-US"/>
           </a:p>
@@ -1957,7 +1957,7 @@
           <a:p>
             <a:fld id="{9A078F49-712F-43B7-807B-6D37154AD4A8}" type="datetimeFigureOut">
               <a:rPr lang="en-US" smtClean="0"/>
-              <a:t>1/27/2020</a:t>
+              <a:t>2/15/2020</a:t>
             </a:fld>
             <a:endParaRPr lang="en-US"/>
           </a:p>
@@ -2070,7 +2070,7 @@
           <a:p>
             <a:fld id="{9A078F49-712F-43B7-807B-6D37154AD4A8}" type="datetimeFigureOut">
               <a:rPr lang="en-US" smtClean="0"/>
-              <a:t>1/27/2020</a:t>
+              <a:t>2/15/2020</a:t>
             </a:fld>
             <a:endParaRPr lang="en-US"/>
           </a:p>
@@ -2381,7 +2381,7 @@
           <a:p>
             <a:fld id="{9A078F49-712F-43B7-807B-6D37154AD4A8}" type="datetimeFigureOut">
               <a:rPr lang="en-US" smtClean="0"/>
-              <a:t>1/27/2020</a:t>
+              <a:t>2/15/2020</a:t>
             </a:fld>
             <a:endParaRPr lang="en-US"/>
           </a:p>
@@ -2669,7 +2669,7 @@
           <a:p>
             <a:fld id="{9A078F49-712F-43B7-807B-6D37154AD4A8}" type="datetimeFigureOut">
               <a:rPr lang="en-US" smtClean="0"/>
-              <a:t>1/27/2020</a:t>
+              <a:t>2/15/2020</a:t>
             </a:fld>
             <a:endParaRPr lang="en-US"/>
           </a:p>
@@ -2910,7 +2910,7 @@
           <a:p>
             <a:fld id="{9A078F49-712F-43B7-807B-6D37154AD4A8}" type="datetimeFigureOut">
               <a:rPr lang="en-US" smtClean="0"/>
-              <a:t>1/27/2020</a:t>
+              <a:t>2/15/2020</a:t>
             </a:fld>
             <a:endParaRPr lang="en-US"/>
           </a:p>
@@ -3450,42 +3450,6 @@
           </a:prstGeom>
         </p:spPr>
       </p:pic>
-      <p:pic>
-        <p:nvPicPr>
-          <p:cNvPr id="5" name="Picture 4">
-            <a:extLst>
-              <a:ext uri="{FF2B5EF4-FFF2-40B4-BE49-F238E27FC236}">
-                <a16:creationId xmlns:a16="http://schemas.microsoft.com/office/drawing/2014/main" id="{F306FF06-118D-42D0-94EB-43B268D852AB}"/>
-              </a:ext>
-            </a:extLst>
-          </p:cNvPr>
-          <p:cNvPicPr>
-            <a:picLocks noChangeAspect="1"/>
-          </p:cNvPicPr>
-          <p:nvPr/>
-        </p:nvPicPr>
-        <p:blipFill>
-          <a:blip r:embed="rId3">
-            <a:extLst>
-              <a:ext uri="{28A0092B-C50C-407E-A947-70E740481C1C}">
-                <a14:useLocalDpi xmlns:a14="http://schemas.microsoft.com/office/drawing/2010/main" val="0"/>
-              </a:ext>
-            </a:extLst>
-          </a:blip>
-          <a:stretch>
-            <a:fillRect/>
-          </a:stretch>
-        </p:blipFill>
-        <p:spPr>
-          <a:xfrm>
-            <a:off x="3248273" y="677508"/>
-            <a:ext cx="5207019" cy="2628399"/>
-          </a:xfrm>
-          <a:prstGeom prst="rect">
-            <a:avLst/>
-          </a:prstGeom>
-        </p:spPr>
-      </p:pic>
       <p:sp>
         <p:nvSpPr>
           <p:cNvPr id="6" name="Rectangle: Rounded Corners 5">
@@ -3534,6 +3498,89 @@
           </a:p>
         </p:txBody>
       </p:sp>
+      <p:sp>
+        <p:nvSpPr>
+          <p:cNvPr id="2" name="文字方塊 1"/>
+          <p:cNvSpPr txBox="1"/>
+          <p:nvPr/>
+        </p:nvSpPr>
+        <p:spPr>
+          <a:xfrm>
+            <a:off x="1344742" y="782122"/>
+            <a:ext cx="9127375" cy="2646878"/>
+          </a:xfrm>
+          <a:prstGeom prst="rect">
+            <a:avLst/>
+          </a:prstGeom>
+          <a:noFill/>
+        </p:spPr>
+        <p:txBody>
+          <a:bodyPr wrap="square" rtlCol="0">
+            <a:spAutoFit/>
+          </a:bodyPr>
+          <a:lstStyle/>
+          <a:p>
+            <a:pPr algn="ctr"/>
+            <a:r>
+              <a:rPr lang="en-US" sz="16600" dirty="0" smtClean="0">
+                <a:solidFill>
+                  <a:schemeClr val="bg1"/>
+                </a:solidFill>
+                <a:latin typeface="Heavy Data" panose="02000000000000000000" pitchFamily="2" charset="0"/>
+              </a:rPr>
+              <a:t>MATTER</a:t>
+            </a:r>
+            <a:endParaRPr lang="en-US" sz="16600" dirty="0">
+              <a:solidFill>
+                <a:schemeClr val="bg1"/>
+              </a:solidFill>
+              <a:latin typeface="Heavy Data" panose="02000000000000000000" pitchFamily="2" charset="0"/>
+            </a:endParaRPr>
+          </a:p>
+        </p:txBody>
+      </p:sp>
+      <p:pic>
+        <p:nvPicPr>
+          <p:cNvPr id="4" name="圖片 3"/>
+          <p:cNvPicPr>
+            <a:picLocks noChangeAspect="1"/>
+          </p:cNvPicPr>
+          <p:nvPr/>
+        </p:nvPicPr>
+        <p:blipFill>
+          <a:blip r:embed="rId3">
+            <a:lum bright="70000" contrast="-70000"/>
+            <a:extLst>
+              <a:ext uri="{BEBA8EAE-BF5A-486C-A8C5-ECC9F3942E4B}">
+                <a14:imgProps xmlns:a14="http://schemas.microsoft.com/office/drawing/2010/main">
+                  <a14:imgLayer r:embed="rId4">
+                    <a14:imgEffect>
+                      <a14:backgroundRemoval t="0" b="100000" l="0" r="100000">
+                        <a14:foregroundMark x1="38222" y1="48889" x2="38222" y2="48889"/>
+                      </a14:backgroundRemoval>
+                    </a14:imgEffect>
+                  </a14:imgLayer>
+                </a14:imgProps>
+              </a:ext>
+              <a:ext uri="{28A0092B-C50C-407E-A947-70E740481C1C}">
+                <a14:useLocalDpi xmlns:a14="http://schemas.microsoft.com/office/drawing/2010/main" val="0"/>
+              </a:ext>
+            </a:extLst>
+          </a:blip>
+          <a:stretch>
+            <a:fillRect/>
+          </a:stretch>
+        </p:blipFill>
+        <p:spPr>
+          <a:xfrm>
+            <a:off x="11353799" y="36429"/>
+            <a:ext cx="745693" cy="745693"/>
+          </a:xfrm>
+          <a:prstGeom prst="rect">
+            <a:avLst/>
+          </a:prstGeom>
+        </p:spPr>
+      </p:pic>
     </p:spTree>
     <p:extLst>
       <p:ext uri="{BB962C8B-B14F-4D97-AF65-F5344CB8AC3E}">

--- a/Matter/Assets/Template/Tmp.pptx
+++ b/Matter/Assets/Template/Tmp.pptx
@@ -7,6 +7,7 @@
   <p:sldIdLst>
     <p:sldId id="257" r:id="rId2"/>
     <p:sldId id="258" r:id="rId3"/>
+    <p:sldId id="259" r:id="rId4"/>
   </p:sldIdLst>
   <p:sldSz cx="12192000" cy="6858000"/>
   <p:notesSz cx="6858000" cy="9144000"/>
@@ -260,7 +261,7 @@
           <a:p>
             <a:fld id="{9A078F49-712F-43B7-807B-6D37154AD4A8}" type="datetimeFigureOut">
               <a:rPr lang="en-US" smtClean="0"/>
-              <a:t>2/15/2020</a:t>
+              <a:t>3/11/2020</a:t>
             </a:fld>
             <a:endParaRPr lang="en-US"/>
           </a:p>
@@ -458,7 +459,7 @@
           <a:p>
             <a:fld id="{9A078F49-712F-43B7-807B-6D37154AD4A8}" type="datetimeFigureOut">
               <a:rPr lang="en-US" smtClean="0"/>
-              <a:t>2/15/2020</a:t>
+              <a:t>3/11/2020</a:t>
             </a:fld>
             <a:endParaRPr lang="en-US"/>
           </a:p>
@@ -666,7 +667,7 @@
           <a:p>
             <a:fld id="{9A078F49-712F-43B7-807B-6D37154AD4A8}" type="datetimeFigureOut">
               <a:rPr lang="en-US" smtClean="0"/>
-              <a:t>2/15/2020</a:t>
+              <a:t>3/11/2020</a:t>
             </a:fld>
             <a:endParaRPr lang="en-US"/>
           </a:p>
@@ -864,7 +865,7 @@
           <a:p>
             <a:fld id="{9A078F49-712F-43B7-807B-6D37154AD4A8}" type="datetimeFigureOut">
               <a:rPr lang="en-US" smtClean="0"/>
-              <a:t>2/15/2020</a:t>
+              <a:t>3/11/2020</a:t>
             </a:fld>
             <a:endParaRPr lang="en-US"/>
           </a:p>
@@ -1139,7 +1140,7 @@
           <a:p>
             <a:fld id="{9A078F49-712F-43B7-807B-6D37154AD4A8}" type="datetimeFigureOut">
               <a:rPr lang="en-US" smtClean="0"/>
-              <a:t>2/15/2020</a:t>
+              <a:t>3/11/2020</a:t>
             </a:fld>
             <a:endParaRPr lang="en-US"/>
           </a:p>
@@ -1404,7 +1405,7 @@
           <a:p>
             <a:fld id="{9A078F49-712F-43B7-807B-6D37154AD4A8}" type="datetimeFigureOut">
               <a:rPr lang="en-US" smtClean="0"/>
-              <a:t>2/15/2020</a:t>
+              <a:t>3/11/2020</a:t>
             </a:fld>
             <a:endParaRPr lang="en-US"/>
           </a:p>
@@ -1816,7 +1817,7 @@
           <a:p>
             <a:fld id="{9A078F49-712F-43B7-807B-6D37154AD4A8}" type="datetimeFigureOut">
               <a:rPr lang="en-US" smtClean="0"/>
-              <a:t>2/15/2020</a:t>
+              <a:t>3/11/2020</a:t>
             </a:fld>
             <a:endParaRPr lang="en-US"/>
           </a:p>
@@ -1957,7 +1958,7 @@
           <a:p>
             <a:fld id="{9A078F49-712F-43B7-807B-6D37154AD4A8}" type="datetimeFigureOut">
               <a:rPr lang="en-US" smtClean="0"/>
-              <a:t>2/15/2020</a:t>
+              <a:t>3/11/2020</a:t>
             </a:fld>
             <a:endParaRPr lang="en-US"/>
           </a:p>
@@ -2070,7 +2071,7 @@
           <a:p>
             <a:fld id="{9A078F49-712F-43B7-807B-6D37154AD4A8}" type="datetimeFigureOut">
               <a:rPr lang="en-US" smtClean="0"/>
-              <a:t>2/15/2020</a:t>
+              <a:t>3/11/2020</a:t>
             </a:fld>
             <a:endParaRPr lang="en-US"/>
           </a:p>
@@ -2381,7 +2382,7 @@
           <a:p>
             <a:fld id="{9A078F49-712F-43B7-807B-6D37154AD4A8}" type="datetimeFigureOut">
               <a:rPr lang="en-US" smtClean="0"/>
-              <a:t>2/15/2020</a:t>
+              <a:t>3/11/2020</a:t>
             </a:fld>
             <a:endParaRPr lang="en-US"/>
           </a:p>
@@ -2669,7 +2670,7 @@
           <a:p>
             <a:fld id="{9A078F49-712F-43B7-807B-6D37154AD4A8}" type="datetimeFigureOut">
               <a:rPr lang="en-US" smtClean="0"/>
-              <a:t>2/15/2020</a:t>
+              <a:t>3/11/2020</a:t>
             </a:fld>
             <a:endParaRPr lang="en-US"/>
           </a:p>
@@ -2910,7 +2911,7 @@
           <a:p>
             <a:fld id="{9A078F49-712F-43B7-807B-6D37154AD4A8}" type="datetimeFigureOut">
               <a:rPr lang="en-US" smtClean="0"/>
-              <a:t>2/15/2020</a:t>
+              <a:t>3/11/2020</a:t>
             </a:fld>
             <a:endParaRPr lang="en-US"/>
           </a:p>
@@ -3594,6 +3595,181 @@
 </p:sld>
 </file>
 
+<file path=ppt/slides/slide3.xml><?xml version="1.0" encoding="utf-8"?>
+<p:sld xmlns:a="http://schemas.openxmlformats.org/drawingml/2006/main" xmlns:r="http://schemas.openxmlformats.org/officeDocument/2006/relationships" xmlns:p="http://schemas.openxmlformats.org/presentationml/2006/main">
+  <p:cSld>
+    <p:bg>
+      <p:bgPr>
+        <a:solidFill>
+          <a:schemeClr val="bg1"/>
+        </a:solidFill>
+        <a:effectLst/>
+      </p:bgPr>
+    </p:bg>
+    <p:spTree>
+      <p:nvGrpSpPr>
+        <p:cNvPr id="1" name=""/>
+        <p:cNvGrpSpPr/>
+        <p:nvPr/>
+      </p:nvGrpSpPr>
+      <p:grpSpPr>
+        <a:xfrm>
+          <a:off x="0" y="0"/>
+          <a:ext cx="0" cy="0"/>
+          <a:chOff x="0" y="0"/>
+          <a:chExt cx="0" cy="0"/>
+        </a:xfrm>
+      </p:grpSpPr>
+      <p:grpSp>
+        <p:nvGrpSpPr>
+          <p:cNvPr id="13" name="群組 12"/>
+          <p:cNvGrpSpPr/>
+          <p:nvPr/>
+        </p:nvGrpSpPr>
+        <p:grpSpPr>
+          <a:xfrm>
+            <a:off x="2360814" y="1072342"/>
+            <a:ext cx="7331826" cy="4738254"/>
+            <a:chOff x="2360814" y="1072342"/>
+            <a:chExt cx="7331826" cy="4738254"/>
+          </a:xfrm>
+        </p:grpSpPr>
+        <p:sp>
+          <p:nvSpPr>
+            <p:cNvPr id="2" name="矩形 1"/>
+            <p:cNvSpPr/>
+            <p:nvPr/>
+          </p:nvSpPr>
+          <p:spPr>
+            <a:xfrm>
+              <a:off x="2360814" y="1072342"/>
+              <a:ext cx="7331826" cy="4738254"/>
+            </a:xfrm>
+            <a:prstGeom prst="rect">
+              <a:avLst/>
+            </a:prstGeom>
+            <a:solidFill>
+              <a:srgbClr val="000000">
+                <a:alpha val="50196"/>
+              </a:srgbClr>
+            </a:solidFill>
+            <a:ln>
+              <a:solidFill>
+                <a:srgbClr val="000000">
+                  <a:alpha val="50196"/>
+                </a:srgbClr>
+              </a:solidFill>
+            </a:ln>
+          </p:spPr>
+          <p:style>
+            <a:lnRef idx="2">
+              <a:schemeClr val="accent1">
+                <a:shade val="50000"/>
+              </a:schemeClr>
+            </a:lnRef>
+            <a:fillRef idx="1">
+              <a:schemeClr val="accent1"/>
+            </a:fillRef>
+            <a:effectRef idx="0">
+              <a:schemeClr val="accent1"/>
+            </a:effectRef>
+            <a:fontRef idx="minor">
+              <a:schemeClr val="lt1"/>
+            </a:fontRef>
+          </p:style>
+          <p:txBody>
+            <a:bodyPr rtlCol="0" anchor="ctr"/>
+            <a:lstStyle/>
+            <a:p>
+              <a:pPr algn="ctr"/>
+              <a:endParaRPr lang="en-US"/>
+            </a:p>
+          </p:txBody>
+        </p:sp>
+        <p:cxnSp>
+          <p:nvCxnSpPr>
+            <p:cNvPr id="4" name="直線接點 3"/>
+            <p:cNvCxnSpPr/>
+            <p:nvPr/>
+          </p:nvCxnSpPr>
+          <p:spPr>
+            <a:xfrm>
+              <a:off x="6026727" y="1471353"/>
+              <a:ext cx="0" cy="3948545"/>
+            </a:xfrm>
+            <a:prstGeom prst="line">
+              <a:avLst/>
+            </a:prstGeom>
+            <a:ln w="19050">
+              <a:solidFill>
+                <a:schemeClr val="bg1"/>
+              </a:solidFill>
+            </a:ln>
+          </p:spPr>
+          <p:style>
+            <a:lnRef idx="1">
+              <a:schemeClr val="accent1"/>
+            </a:lnRef>
+            <a:fillRef idx="0">
+              <a:schemeClr val="accent1"/>
+            </a:fillRef>
+            <a:effectRef idx="0">
+              <a:schemeClr val="accent1"/>
+            </a:effectRef>
+            <a:fontRef idx="minor">
+              <a:schemeClr val="tx1"/>
+            </a:fontRef>
+          </p:style>
+        </p:cxnSp>
+        <p:cxnSp>
+          <p:nvCxnSpPr>
+            <p:cNvPr id="6" name="直線接點 5"/>
+            <p:cNvCxnSpPr/>
+            <p:nvPr/>
+          </p:nvCxnSpPr>
+          <p:spPr>
+            <a:xfrm flipH="1">
+              <a:off x="6126480" y="2078181"/>
+              <a:ext cx="3283528" cy="2771"/>
+            </a:xfrm>
+            <a:prstGeom prst="line">
+              <a:avLst/>
+            </a:prstGeom>
+            <a:ln w="19050">
+              <a:solidFill>
+                <a:schemeClr val="bg1"/>
+              </a:solidFill>
+            </a:ln>
+          </p:spPr>
+          <p:style>
+            <a:lnRef idx="1">
+              <a:schemeClr val="accent1"/>
+            </a:lnRef>
+            <a:fillRef idx="0">
+              <a:schemeClr val="accent1"/>
+            </a:fillRef>
+            <a:effectRef idx="0">
+              <a:schemeClr val="accent1"/>
+            </a:effectRef>
+            <a:fontRef idx="minor">
+              <a:schemeClr val="tx1"/>
+            </a:fontRef>
+          </p:style>
+        </p:cxnSp>
+      </p:grpSp>
+    </p:spTree>
+    <p:extLst>
+      <p:ext uri="{BB962C8B-B14F-4D97-AF65-F5344CB8AC3E}">
+        <p14:creationId xmlns:p14="http://schemas.microsoft.com/office/powerpoint/2010/main" val="3416121130"/>
+      </p:ext>
+    </p:extLst>
+  </p:cSld>
+  <p:clrMapOvr>
+    <a:masterClrMapping/>
+  </p:clrMapOvr>
+</p:sld>
+</file>
+
 <file path=ppt/theme/theme1.xml><?xml version="1.0" encoding="utf-8"?>
 <a:theme xmlns:a="http://schemas.openxmlformats.org/drawingml/2006/main" name="Office Theme">
   <a:themeElements>
